--- a/개발진행/개발진행도5.pptx
+++ b/개발진행/개발진행도5.pptx
@@ -116,6 +116,11 @@
       </a:defRPr>
     </a:lvl9pPr>
   </p:defaultTextStyle>
+  <p:extLst>
+    <p:ext uri="{EFAFB233-063F-42B5-8137-9DF3F51BA10A}">
+      <p15:sldGuideLst xmlns:p15="http://schemas.microsoft.com/office/powerpoint/2012/main"/>
+    </p:ext>
+  </p:extLst>
 </p:presentation>
 </file>
 
@@ -3523,6 +3528,114 @@
           </a:prstGeom>
         </p:spPr>
       </p:pic>
+      <p:sp>
+        <p:nvSpPr>
+          <p:cNvPr id="4" name="직사각형 3">
+            <a:extLst>
+              <a:ext uri="{FF2B5EF4-FFF2-40B4-BE49-F238E27FC236}">
+                <a16:creationId xmlns:a16="http://schemas.microsoft.com/office/drawing/2014/main" id="{D59FE7EE-41EA-465E-BF74-CE1C1CEB4EBF}"/>
+              </a:ext>
+            </a:extLst>
+          </p:cNvPr>
+          <p:cNvSpPr/>
+          <p:nvPr/>
+        </p:nvSpPr>
+        <p:spPr>
+          <a:xfrm>
+            <a:off x="4664280" y="5377343"/>
+            <a:ext cx="1912690" cy="201335"/>
+          </a:xfrm>
+          <a:prstGeom prst="rect">
+            <a:avLst/>
+          </a:prstGeom>
+          <a:solidFill>
+            <a:schemeClr val="bg1"/>
+          </a:solidFill>
+          <a:ln>
+            <a:solidFill>
+              <a:schemeClr val="bg1"/>
+            </a:solidFill>
+          </a:ln>
+        </p:spPr>
+        <p:style>
+          <a:lnRef idx="2">
+            <a:schemeClr val="accent1">
+              <a:shade val="50000"/>
+            </a:schemeClr>
+          </a:lnRef>
+          <a:fillRef idx="1">
+            <a:schemeClr val="accent1"/>
+          </a:fillRef>
+          <a:effectRef idx="0">
+            <a:schemeClr val="accent1"/>
+          </a:effectRef>
+          <a:fontRef idx="minor">
+            <a:schemeClr val="lt1"/>
+          </a:fontRef>
+        </p:style>
+        <p:txBody>
+          <a:bodyPr rtlCol="0" anchor="ctr"/>
+          <a:lstStyle/>
+          <a:p>
+            <a:pPr algn="ctr"/>
+            <a:endParaRPr lang="ko-KR" altLang="en-US"/>
+          </a:p>
+        </p:txBody>
+      </p:sp>
+      <p:sp>
+        <p:nvSpPr>
+          <p:cNvPr id="6" name="직사각형 5">
+            <a:extLst>
+              <a:ext uri="{FF2B5EF4-FFF2-40B4-BE49-F238E27FC236}">
+                <a16:creationId xmlns:a16="http://schemas.microsoft.com/office/drawing/2014/main" id="{B37556AE-4CE9-4241-B470-D9FEE88258AE}"/>
+              </a:ext>
+            </a:extLst>
+          </p:cNvPr>
+          <p:cNvSpPr/>
+          <p:nvPr/>
+        </p:nvSpPr>
+        <p:spPr>
+          <a:xfrm>
+            <a:off x="4613947" y="6085397"/>
+            <a:ext cx="1912690" cy="201335"/>
+          </a:xfrm>
+          <a:prstGeom prst="rect">
+            <a:avLst/>
+          </a:prstGeom>
+          <a:solidFill>
+            <a:schemeClr val="bg1"/>
+          </a:solidFill>
+          <a:ln>
+            <a:solidFill>
+              <a:schemeClr val="bg1"/>
+            </a:solidFill>
+          </a:ln>
+        </p:spPr>
+        <p:style>
+          <a:lnRef idx="2">
+            <a:schemeClr val="accent1">
+              <a:shade val="50000"/>
+            </a:schemeClr>
+          </a:lnRef>
+          <a:fillRef idx="1">
+            <a:schemeClr val="accent1"/>
+          </a:fillRef>
+          <a:effectRef idx="0">
+            <a:schemeClr val="accent1"/>
+          </a:effectRef>
+          <a:fontRef idx="minor">
+            <a:schemeClr val="lt1"/>
+          </a:fontRef>
+        </p:style>
+        <p:txBody>
+          <a:bodyPr rtlCol="0" anchor="ctr"/>
+          <a:lstStyle/>
+          <a:p>
+            <a:pPr algn="ctr"/>
+            <a:endParaRPr lang="ko-KR" altLang="en-US"/>
+          </a:p>
+        </p:txBody>
+      </p:sp>
     </p:spTree>
     <p:extLst>
       <p:ext uri="{BB962C8B-B14F-4D97-AF65-F5344CB8AC3E}">
@@ -4657,6 +4770,114 @@
           </a:prstGeom>
         </p:spPr>
       </p:pic>
+      <p:sp>
+        <p:nvSpPr>
+          <p:cNvPr id="5" name="직사각형 4">
+            <a:extLst>
+              <a:ext uri="{FF2B5EF4-FFF2-40B4-BE49-F238E27FC236}">
+                <a16:creationId xmlns:a16="http://schemas.microsoft.com/office/drawing/2014/main" id="{BFA5C471-A73A-4696-97A0-7EEA39CF38F3}"/>
+              </a:ext>
+            </a:extLst>
+          </p:cNvPr>
+          <p:cNvSpPr/>
+          <p:nvPr/>
+        </p:nvSpPr>
+        <p:spPr>
+          <a:xfrm>
+            <a:off x="4664280" y="5377343"/>
+            <a:ext cx="1912690" cy="201335"/>
+          </a:xfrm>
+          <a:prstGeom prst="rect">
+            <a:avLst/>
+          </a:prstGeom>
+          <a:solidFill>
+            <a:schemeClr val="bg1"/>
+          </a:solidFill>
+          <a:ln>
+            <a:solidFill>
+              <a:schemeClr val="bg1"/>
+            </a:solidFill>
+          </a:ln>
+        </p:spPr>
+        <p:style>
+          <a:lnRef idx="2">
+            <a:schemeClr val="accent1">
+              <a:shade val="50000"/>
+            </a:schemeClr>
+          </a:lnRef>
+          <a:fillRef idx="1">
+            <a:schemeClr val="accent1"/>
+          </a:fillRef>
+          <a:effectRef idx="0">
+            <a:schemeClr val="accent1"/>
+          </a:effectRef>
+          <a:fontRef idx="minor">
+            <a:schemeClr val="lt1"/>
+          </a:fontRef>
+        </p:style>
+        <p:txBody>
+          <a:bodyPr rtlCol="0" anchor="ctr"/>
+          <a:lstStyle/>
+          <a:p>
+            <a:pPr algn="ctr"/>
+            <a:endParaRPr lang="ko-KR" altLang="en-US"/>
+          </a:p>
+        </p:txBody>
+      </p:sp>
+      <p:sp>
+        <p:nvSpPr>
+          <p:cNvPr id="6" name="직사각형 5">
+            <a:extLst>
+              <a:ext uri="{FF2B5EF4-FFF2-40B4-BE49-F238E27FC236}">
+                <a16:creationId xmlns:a16="http://schemas.microsoft.com/office/drawing/2014/main" id="{FE158B0C-0631-4099-B335-F6E06F46B0FF}"/>
+              </a:ext>
+            </a:extLst>
+          </p:cNvPr>
+          <p:cNvSpPr/>
+          <p:nvPr/>
+        </p:nvSpPr>
+        <p:spPr>
+          <a:xfrm>
+            <a:off x="4664280" y="6076295"/>
+            <a:ext cx="1912690" cy="201335"/>
+          </a:xfrm>
+          <a:prstGeom prst="rect">
+            <a:avLst/>
+          </a:prstGeom>
+          <a:solidFill>
+            <a:schemeClr val="bg1"/>
+          </a:solidFill>
+          <a:ln>
+            <a:solidFill>
+              <a:schemeClr val="bg1"/>
+            </a:solidFill>
+          </a:ln>
+        </p:spPr>
+        <p:style>
+          <a:lnRef idx="2">
+            <a:schemeClr val="accent1">
+              <a:shade val="50000"/>
+            </a:schemeClr>
+          </a:lnRef>
+          <a:fillRef idx="1">
+            <a:schemeClr val="accent1"/>
+          </a:fillRef>
+          <a:effectRef idx="0">
+            <a:schemeClr val="accent1"/>
+          </a:effectRef>
+          <a:fontRef idx="minor">
+            <a:schemeClr val="lt1"/>
+          </a:fontRef>
+        </p:style>
+        <p:txBody>
+          <a:bodyPr rtlCol="0" anchor="ctr"/>
+          <a:lstStyle/>
+          <a:p>
+            <a:pPr algn="ctr"/>
+            <a:endParaRPr lang="ko-KR" altLang="en-US"/>
+          </a:p>
+        </p:txBody>
+      </p:sp>
     </p:spTree>
     <p:extLst>
       <p:ext uri="{BB962C8B-B14F-4D97-AF65-F5344CB8AC3E}">
